--- a/第10組.pptx
+++ b/第10組.pptx
@@ -245,7 +245,7 @@
                 <a:latin typeface="Microsoft JhengHei UI" panose="020B0604030504040204" pitchFamily="34" charset="-120"/>
                 <a:ea typeface="Microsoft JhengHei UI" panose="020B0604030504040204" pitchFamily="34" charset="-120"/>
               </a:rPr>
-              <a:t>2023/5/15</a:t>
+              <a:t>2023/5/22</a:t>
             </a:fld>
             <a:endParaRPr lang="zh-TW" altLang="en-US">
               <a:latin typeface="Microsoft JhengHei UI" panose="020B0604030504040204" pitchFamily="34" charset="-120"/>
@@ -443,7 +443,7 @@
           <a:p>
             <a:fld id="{719EBA5C-D931-4CD7-A589-D9F873B040AF}" type="datetime1">
               <a:rPr lang="zh-TW" altLang="en-US" noProof="0" smtClean="0"/>
-              <a:t>2023/5/15</a:t>
+              <a:t>2023/5/22</a:t>
             </a:fld>
             <a:endParaRPr lang="zh-TW" altLang="en-US" noProof="0"/>
           </a:p>
@@ -21984,25 +21984,6 @@
 </file>
 
 <file path=customXml/item2.xml><?xml version="1.0" encoding="utf-8"?>
-<p:properties xmlns:p="http://schemas.microsoft.com/office/2006/metadata/properties" xmlns:xsi="http://www.w3.org/2001/XMLSchema-instance" xmlns:pc="http://schemas.microsoft.com/office/infopath/2007/PartnerControls">
-  <documentManagement>
-    <Status xmlns="71af3243-3dd4-4a8d-8c0d-dd76da1f02a5">Not started</Status>
-    <_ip_UnifiedCompliancePolicyUIAction xmlns="http://schemas.microsoft.com/sharepoint/v3" xsi:nil="true"/>
-    <Image xmlns="71af3243-3dd4-4a8d-8c0d-dd76da1f02a5">
-      <Url xsi:nil="true"/>
-      <Description xsi:nil="true"/>
-    </Image>
-    <_ip_UnifiedCompliancePolicyProperties xmlns="http://schemas.microsoft.com/sharepoint/v3" xsi:nil="true"/>
-    <ImageTagsTaxHTField xmlns="71af3243-3dd4-4a8d-8c0d-dd76da1f02a5">
-      <Terms xmlns="http://schemas.microsoft.com/office/infopath/2007/PartnerControls"/>
-    </ImageTagsTaxHTField>
-    <TaxCatchAll xmlns="230e9df3-be65-4c73-a93b-d1236ebd677e"/>
-    <MediaServiceKeyPoints xmlns="71af3243-3dd4-4a8d-8c0d-dd76da1f02a5" xsi:nil="true"/>
-  </documentManagement>
-</p:properties>
-</file>
-
-<file path=customXml/item3.xml><?xml version="1.0" encoding="utf-8"?>
 <ct:contentTypeSchema xmlns:ct="http://schemas.microsoft.com/office/2006/metadata/contentType" xmlns:ma="http://schemas.microsoft.com/office/2006/metadata/properties/metaAttributes" ct:_="" ma:_="" ma:contentTypeName="Document" ma:contentTypeID="0x01010079F111ED35F8CC479449609E8A0923A6" ma:contentTypeVersion="20" ma:contentTypeDescription="Create a new document." ma:contentTypeScope="" ma:versionID="1267097ee5f5874adfcc408041ae252e">
   <xsd:schema xmlns:xsd="http://www.w3.org/2001/XMLSchema" xmlns:xs="http://www.w3.org/2001/XMLSchema" xmlns:p="http://schemas.microsoft.com/office/2006/metadata/properties" xmlns:ns1="http://schemas.microsoft.com/sharepoint/v3" xmlns:ns2="71af3243-3dd4-4a8d-8c0d-dd76da1f02a5" xmlns:ns3="16c05727-aa75-4e4a-9b5f-8a80a1165891" xmlns:ns4="230e9df3-be65-4c73-a93b-d1236ebd677e" targetNamespace="http://schemas.microsoft.com/office/2006/metadata/properties" ma:root="true" ma:fieldsID="395891a93df65b14727750f2c06c306c" ns1:_="" ns2:_="" ns3:_="" ns4:_="">
     <xsd:import namespace="http://schemas.microsoft.com/sharepoint/v3"/>
@@ -22278,6 +22259,25 @@
 </ct:contentTypeSchema>
 </file>
 
+<file path=customXml/item3.xml><?xml version="1.0" encoding="utf-8"?>
+<p:properties xmlns:p="http://schemas.microsoft.com/office/2006/metadata/properties" xmlns:xsi="http://www.w3.org/2001/XMLSchema-instance" xmlns:pc="http://schemas.microsoft.com/office/infopath/2007/PartnerControls">
+  <documentManagement>
+    <Status xmlns="71af3243-3dd4-4a8d-8c0d-dd76da1f02a5">Not started</Status>
+    <_ip_UnifiedCompliancePolicyUIAction xmlns="http://schemas.microsoft.com/sharepoint/v3" xsi:nil="true"/>
+    <Image xmlns="71af3243-3dd4-4a8d-8c0d-dd76da1f02a5">
+      <Url xsi:nil="true"/>
+      <Description xsi:nil="true"/>
+    </Image>
+    <_ip_UnifiedCompliancePolicyProperties xmlns="http://schemas.microsoft.com/sharepoint/v3" xsi:nil="true"/>
+    <ImageTagsTaxHTField xmlns="71af3243-3dd4-4a8d-8c0d-dd76da1f02a5">
+      <Terms xmlns="http://schemas.microsoft.com/office/infopath/2007/PartnerControls"/>
+    </ImageTagsTaxHTField>
+    <TaxCatchAll xmlns="230e9df3-be65-4c73-a93b-d1236ebd677e"/>
+    <MediaServiceKeyPoints xmlns="71af3243-3dd4-4a8d-8c0d-dd76da1f02a5" xsi:nil="true"/>
+  </documentManagement>
+</p:properties>
+</file>
+
 <file path=customXml/itemProps1.xml><?xml version="1.0" encoding="utf-8"?>
 <ds:datastoreItem xmlns:ds="http://schemas.openxmlformats.org/officeDocument/2006/customXml" ds:itemID="{E0C88140-B977-44ED-8877-83D5BCE76393}">
   <ds:schemaRefs>
@@ -22287,20 +22287,6 @@
 </file>
 
 <file path=customXml/itemProps2.xml><?xml version="1.0" encoding="utf-8"?>
-<ds:datastoreItem xmlns:ds="http://schemas.openxmlformats.org/officeDocument/2006/customXml" ds:itemID="{DBE6AE0A-D4B0-4A5B-9359-3C20E0AE6F61}">
-  <ds:schemaRefs>
-    <ds:schemaRef ds:uri="http://schemas.microsoft.com/office/2006/metadata/properties"/>
-    <ds:schemaRef ds:uri="http://www.w3.org/2000/xmlns/"/>
-    <ds:schemaRef ds:uri="71af3243-3dd4-4a8d-8c0d-dd76da1f02a5"/>
-    <ds:schemaRef ds:uri="http://schemas.microsoft.com/sharepoint/v3"/>
-    <ds:schemaRef ds:uri="http://www.w3.org/2001/XMLSchema-instance"/>
-    <ds:schemaRef ds:uri="http://schemas.microsoft.com/office/infopath/2007/PartnerControls"/>
-    <ds:schemaRef ds:uri="230e9df3-be65-4c73-a93b-d1236ebd677e"/>
-  </ds:schemaRefs>
-</ds:datastoreItem>
-</file>
-
-<file path=customXml/itemProps3.xml><?xml version="1.0" encoding="utf-8"?>
 <ds:datastoreItem xmlns:ds="http://schemas.openxmlformats.org/officeDocument/2006/customXml" ds:itemID="{34F12D6A-2BE8-4847-A724-6F141C79A2A0}">
   <ds:schemaRefs>
     <ds:schemaRef ds:uri="http://schemas.microsoft.com/office/2006/metadata/contentType"/>
@@ -22322,6 +22308,20 @@
 </ds:datastoreItem>
 </file>
 
+<file path=customXml/itemProps3.xml><?xml version="1.0" encoding="utf-8"?>
+<ds:datastoreItem xmlns:ds="http://schemas.openxmlformats.org/officeDocument/2006/customXml" ds:itemID="{DBE6AE0A-D4B0-4A5B-9359-3C20E0AE6F61}">
+  <ds:schemaRefs>
+    <ds:schemaRef ds:uri="http://schemas.microsoft.com/office/2006/metadata/properties"/>
+    <ds:schemaRef ds:uri="http://www.w3.org/2000/xmlns/"/>
+    <ds:schemaRef ds:uri="71af3243-3dd4-4a8d-8c0d-dd76da1f02a5"/>
+    <ds:schemaRef ds:uri="http://schemas.microsoft.com/sharepoint/v3"/>
+    <ds:schemaRef ds:uri="http://www.w3.org/2001/XMLSchema-instance"/>
+    <ds:schemaRef ds:uri="http://schemas.microsoft.com/office/infopath/2007/PartnerControls"/>
+    <ds:schemaRef ds:uri="230e9df3-be65-4c73-a93b-d1236ebd677e"/>
+  </ds:schemaRefs>
+</ds:datastoreItem>
+</file>
+
 <file path=docMetadata/LabelInfo.xml><?xml version="1.0" encoding="utf-8"?>
 <clbl:labelList xmlns:clbl="http://schemas.microsoft.com/office/2020/mipLabelMetadata">
   <clbl:label id="{f42aa342-8706-4288-bd11-ebb85995028c}" enabled="1" method="Standard" siteId="{72f988bf-86f1-41af-91ab-2d7cd011db47}" removed="0"/>
